--- a/doc/cible.pptx
+++ b/doc/cible.pptx
@@ -104,6 +104,11 @@
       </a:defRPr>
     </a:lvl9pPr>
   </p:defaultTextStyle>
+  <p:extLst>
+    <p:ext uri="{EFAFB233-063F-42B5-8137-9DF3F51BA10A}">
+      <p15:sldGuideLst xmlns:p15="http://schemas.microsoft.com/office/powerpoint/2012/main"/>
+    </p:ext>
+  </p:extLst>
 </p:presentation>
 </file>
 
@@ -238,7 +243,7 @@
           <a:p>
             <a:fld id="{D7901F39-E1F2-48E7-A449-12253CB75D0B}" type="datetimeFigureOut">
               <a:rPr lang="fr-FR" smtClean="0"/>
-              <a:t>25/12/2024</a:t>
+              <a:t>26/12/2024</a:t>
             </a:fld>
             <a:endParaRPr lang="fr-FR"/>
           </a:p>
@@ -408,7 +413,7 @@
           <a:p>
             <a:fld id="{D7901F39-E1F2-48E7-A449-12253CB75D0B}" type="datetimeFigureOut">
               <a:rPr lang="fr-FR" smtClean="0"/>
-              <a:t>25/12/2024</a:t>
+              <a:t>26/12/2024</a:t>
             </a:fld>
             <a:endParaRPr lang="fr-FR"/>
           </a:p>
@@ -588,7 +593,7 @@
           <a:p>
             <a:fld id="{D7901F39-E1F2-48E7-A449-12253CB75D0B}" type="datetimeFigureOut">
               <a:rPr lang="fr-FR" smtClean="0"/>
-              <a:t>25/12/2024</a:t>
+              <a:t>26/12/2024</a:t>
             </a:fld>
             <a:endParaRPr lang="fr-FR"/>
           </a:p>
@@ -758,7 +763,7 @@
           <a:p>
             <a:fld id="{D7901F39-E1F2-48E7-A449-12253CB75D0B}" type="datetimeFigureOut">
               <a:rPr lang="fr-FR" smtClean="0"/>
-              <a:t>25/12/2024</a:t>
+              <a:t>26/12/2024</a:t>
             </a:fld>
             <a:endParaRPr lang="fr-FR"/>
           </a:p>
@@ -1002,7 +1007,7 @@
           <a:p>
             <a:fld id="{D7901F39-E1F2-48E7-A449-12253CB75D0B}" type="datetimeFigureOut">
               <a:rPr lang="fr-FR" smtClean="0"/>
-              <a:t>25/12/2024</a:t>
+              <a:t>26/12/2024</a:t>
             </a:fld>
             <a:endParaRPr lang="fr-FR"/>
           </a:p>
@@ -1234,7 +1239,7 @@
           <a:p>
             <a:fld id="{D7901F39-E1F2-48E7-A449-12253CB75D0B}" type="datetimeFigureOut">
               <a:rPr lang="fr-FR" smtClean="0"/>
-              <a:t>25/12/2024</a:t>
+              <a:t>26/12/2024</a:t>
             </a:fld>
             <a:endParaRPr lang="fr-FR"/>
           </a:p>
@@ -1601,7 +1606,7 @@
           <a:p>
             <a:fld id="{D7901F39-E1F2-48E7-A449-12253CB75D0B}" type="datetimeFigureOut">
               <a:rPr lang="fr-FR" smtClean="0"/>
-              <a:t>25/12/2024</a:t>
+              <a:t>26/12/2024</a:t>
             </a:fld>
             <a:endParaRPr lang="fr-FR"/>
           </a:p>
@@ -1719,7 +1724,7 @@
           <a:p>
             <a:fld id="{D7901F39-E1F2-48E7-A449-12253CB75D0B}" type="datetimeFigureOut">
               <a:rPr lang="fr-FR" smtClean="0"/>
-              <a:t>25/12/2024</a:t>
+              <a:t>26/12/2024</a:t>
             </a:fld>
             <a:endParaRPr lang="fr-FR"/>
           </a:p>
@@ -1814,7 +1819,7 @@
           <a:p>
             <a:fld id="{D7901F39-E1F2-48E7-A449-12253CB75D0B}" type="datetimeFigureOut">
               <a:rPr lang="fr-FR" smtClean="0"/>
-              <a:t>25/12/2024</a:t>
+              <a:t>26/12/2024</a:t>
             </a:fld>
             <a:endParaRPr lang="fr-FR"/>
           </a:p>
@@ -2091,7 +2096,7 @@
           <a:p>
             <a:fld id="{D7901F39-E1F2-48E7-A449-12253CB75D0B}" type="datetimeFigureOut">
               <a:rPr lang="fr-FR" smtClean="0"/>
-              <a:t>25/12/2024</a:t>
+              <a:t>26/12/2024</a:t>
             </a:fld>
             <a:endParaRPr lang="fr-FR"/>
           </a:p>
@@ -2348,7 +2353,7 @@
           <a:p>
             <a:fld id="{D7901F39-E1F2-48E7-A449-12253CB75D0B}" type="datetimeFigureOut">
               <a:rPr lang="fr-FR" smtClean="0"/>
-              <a:t>25/12/2024</a:t>
+              <a:t>26/12/2024</a:t>
             </a:fld>
             <a:endParaRPr lang="fr-FR"/>
           </a:p>
@@ -2561,7 +2566,7 @@
           <a:p>
             <a:fld id="{D7901F39-E1F2-48E7-A449-12253CB75D0B}" type="datetimeFigureOut">
               <a:rPr lang="fr-FR" smtClean="0"/>
-              <a:t>25/12/2024</a:t>
+              <a:t>26/12/2024</a:t>
             </a:fld>
             <a:endParaRPr lang="fr-FR"/>
           </a:p>
@@ -3022,17 +3027,16 @@
         </p:nvSpPr>
         <p:spPr>
           <a:xfrm>
-            <a:off x="360631" y="1925906"/>
-            <a:ext cx="6840000" cy="6840000"/>
+            <a:off x="178676" y="1755228"/>
+            <a:ext cx="7210096" cy="7178565"/>
           </a:xfrm>
           <a:prstGeom prst="rect">
             <a:avLst/>
           </a:prstGeom>
-          <a:solidFill>
-            <a:srgbClr val="4D93D3">
-              <a:alpha val="20000"/>
-            </a:srgbClr>
-          </a:solidFill>
+          <a:noFill/>
+          <a:ln>
+            <a:noFill/>
+          </a:ln>
         </p:spPr>
         <p:style>
           <a:lnRef idx="2">
@@ -3580,9 +3584,6 @@
               </a:rPr>
               <a:t>2</a:t>
             </a:r>
-            <a:endParaRPr lang="fr-FR" sz="1200" dirty="0">
-              <a:latin typeface="+mj-lt"/>
-            </a:endParaRPr>
           </a:p>
         </p:txBody>
       </p:sp>
@@ -3614,9 +3615,6 @@
               </a:rPr>
               <a:t>3</a:t>
             </a:r>
-            <a:endParaRPr lang="fr-FR" sz="1200" dirty="0">
-              <a:latin typeface="+mj-lt"/>
-            </a:endParaRPr>
           </a:p>
         </p:txBody>
       </p:sp>
@@ -3648,9 +3646,6 @@
               </a:rPr>
               <a:t>4</a:t>
             </a:r>
-            <a:endParaRPr lang="fr-FR" sz="1200" dirty="0">
-              <a:latin typeface="+mj-lt"/>
-            </a:endParaRPr>
           </a:p>
         </p:txBody>
       </p:sp>
@@ -3682,9 +3677,6 @@
               </a:rPr>
               <a:t>5</a:t>
             </a:r>
-            <a:endParaRPr lang="fr-FR" sz="1200" dirty="0">
-              <a:latin typeface="+mj-lt"/>
-            </a:endParaRPr>
           </a:p>
         </p:txBody>
       </p:sp>
@@ -3716,9 +3708,6 @@
               </a:rPr>
               <a:t>6</a:t>
             </a:r>
-            <a:endParaRPr lang="fr-FR" sz="1200" dirty="0">
-              <a:latin typeface="+mj-lt"/>
-            </a:endParaRPr>
           </a:p>
         </p:txBody>
       </p:sp>
@@ -3949,12 +3938,6 @@
               </a:rPr>
               <a:t>8</a:t>
             </a:r>
-            <a:endParaRPr lang="fr-FR" sz="1200" dirty="0">
-              <a:solidFill>
-                <a:schemeClr val="bg1"/>
-              </a:solidFill>
-              <a:latin typeface="+mj-lt"/>
-            </a:endParaRPr>
           </a:p>
         </p:txBody>
       </p:sp>
@@ -3989,12 +3972,6 @@
               </a:rPr>
               <a:t>8</a:t>
             </a:r>
-            <a:endParaRPr lang="fr-FR" sz="1200" dirty="0">
-              <a:solidFill>
-                <a:schemeClr val="bg1"/>
-              </a:solidFill>
-              <a:latin typeface="+mj-lt"/>
-            </a:endParaRPr>
           </a:p>
         </p:txBody>
       </p:sp>
@@ -4066,9 +4043,6 @@
               </a:rPr>
               <a:t>6</a:t>
             </a:r>
-            <a:endParaRPr lang="fr-FR" sz="1200" dirty="0">
-              <a:latin typeface="+mj-lt"/>
-            </a:endParaRPr>
           </a:p>
         </p:txBody>
       </p:sp>
@@ -4100,9 +4074,6 @@
               </a:rPr>
               <a:t>5</a:t>
             </a:r>
-            <a:endParaRPr lang="fr-FR" sz="1200" dirty="0">
-              <a:latin typeface="+mj-lt"/>
-            </a:endParaRPr>
           </a:p>
         </p:txBody>
       </p:sp>
@@ -4134,9 +4105,6 @@
               </a:rPr>
               <a:t>4</a:t>
             </a:r>
-            <a:endParaRPr lang="fr-FR" sz="1200" dirty="0">
-              <a:latin typeface="+mj-lt"/>
-            </a:endParaRPr>
           </a:p>
         </p:txBody>
       </p:sp>
@@ -4168,9 +4136,6 @@
               </a:rPr>
               <a:t>3</a:t>
             </a:r>
-            <a:endParaRPr lang="fr-FR" sz="1200" dirty="0">
-              <a:latin typeface="+mj-lt"/>
-            </a:endParaRPr>
           </a:p>
         </p:txBody>
       </p:sp>
@@ -4202,9 +4167,6 @@
               </a:rPr>
               <a:t>2</a:t>
             </a:r>
-            <a:endParaRPr lang="fr-FR" sz="1200" dirty="0">
-              <a:latin typeface="+mj-lt"/>
-            </a:endParaRPr>
           </a:p>
         </p:txBody>
       </p:sp>
@@ -4338,9 +4300,6 @@
               </a:rPr>
               <a:t>2</a:t>
             </a:r>
-            <a:endParaRPr lang="fr-FR" sz="1200" dirty="0">
-              <a:latin typeface="+mj-lt"/>
-            </a:endParaRPr>
           </a:p>
         </p:txBody>
       </p:sp>
@@ -4372,9 +4331,6 @@
               </a:rPr>
               <a:t>2</a:t>
             </a:r>
-            <a:endParaRPr lang="fr-FR" sz="1200" dirty="0">
-              <a:latin typeface="+mj-lt"/>
-            </a:endParaRPr>
           </a:p>
         </p:txBody>
       </p:sp>
@@ -4406,9 +4362,6 @@
               </a:rPr>
               <a:t>3</a:t>
             </a:r>
-            <a:endParaRPr lang="fr-FR" sz="1200" dirty="0">
-              <a:latin typeface="+mj-lt"/>
-            </a:endParaRPr>
           </a:p>
         </p:txBody>
       </p:sp>
@@ -4440,9 +4393,6 @@
               </a:rPr>
               <a:t>3</a:t>
             </a:r>
-            <a:endParaRPr lang="fr-FR" sz="1200" dirty="0">
-              <a:latin typeface="+mj-lt"/>
-            </a:endParaRPr>
           </a:p>
         </p:txBody>
       </p:sp>
@@ -4474,9 +4424,6 @@
               </a:rPr>
               <a:t>4</a:t>
             </a:r>
-            <a:endParaRPr lang="fr-FR" sz="1200" dirty="0">
-              <a:latin typeface="+mj-lt"/>
-            </a:endParaRPr>
           </a:p>
         </p:txBody>
       </p:sp>
@@ -4508,9 +4455,6 @@
               </a:rPr>
               <a:t>4</a:t>
             </a:r>
-            <a:endParaRPr lang="fr-FR" sz="1200" dirty="0">
-              <a:latin typeface="+mj-lt"/>
-            </a:endParaRPr>
           </a:p>
         </p:txBody>
       </p:sp>
@@ -4542,9 +4486,6 @@
               </a:rPr>
               <a:t>5</a:t>
             </a:r>
-            <a:endParaRPr lang="fr-FR" sz="1200" dirty="0">
-              <a:latin typeface="+mj-lt"/>
-            </a:endParaRPr>
           </a:p>
         </p:txBody>
       </p:sp>
@@ -4576,9 +4517,6 @@
               </a:rPr>
               <a:t>5</a:t>
             </a:r>
-            <a:endParaRPr lang="fr-FR" sz="1200" dirty="0">
-              <a:latin typeface="+mj-lt"/>
-            </a:endParaRPr>
           </a:p>
         </p:txBody>
       </p:sp>
@@ -4610,9 +4548,6 @@
               </a:rPr>
               <a:t>6</a:t>
             </a:r>
-            <a:endParaRPr lang="fr-FR" sz="1200" dirty="0">
-              <a:latin typeface="+mj-lt"/>
-            </a:endParaRPr>
           </a:p>
         </p:txBody>
       </p:sp>
@@ -4644,9 +4579,6 @@
               </a:rPr>
               <a:t>6</a:t>
             </a:r>
-            <a:endParaRPr lang="fr-FR" sz="1200" dirty="0">
-              <a:latin typeface="+mj-lt"/>
-            </a:endParaRPr>
           </a:p>
         </p:txBody>
       </p:sp>
@@ -4761,12 +4693,6 @@
               </a:rPr>
               <a:t>8</a:t>
             </a:r>
-            <a:endParaRPr lang="fr-FR" sz="1200" dirty="0">
-              <a:solidFill>
-                <a:schemeClr val="bg1"/>
-              </a:solidFill>
-              <a:latin typeface="+mj-lt"/>
-            </a:endParaRPr>
           </a:p>
         </p:txBody>
       </p:sp>
@@ -4801,12 +4727,6 @@
               </a:rPr>
               <a:t>8</a:t>
             </a:r>
-            <a:endParaRPr lang="fr-FR" sz="1200" dirty="0">
-              <a:solidFill>
-                <a:schemeClr val="bg1"/>
-              </a:solidFill>
-              <a:latin typeface="+mj-lt"/>
-            </a:endParaRPr>
           </a:p>
         </p:txBody>
       </p:sp>
@@ -5085,6 +5005,23 @@
 </file>
 
 <file path=customXml/item1.xml><?xml version="1.0" encoding="utf-8"?>
+<p:properties xmlns:p="http://schemas.microsoft.com/office/2006/metadata/properties" xmlns:xsi="http://www.w3.org/2001/XMLSchema-instance" xmlns:pc="http://schemas.microsoft.com/office/infopath/2007/PartnerControls">
+  <documentManagement>
+    <_activity xmlns="fd074e8e-c555-4ae9-8e73-6121563534a0" xsi:nil="true"/>
+  </documentManagement>
+</p:properties>
+</file>
+
+<file path=customXml/item2.xml><?xml version="1.0" encoding="utf-8"?>
+<?mso-contentType ?>
+<FormTemplates xmlns="http://schemas.microsoft.com/sharepoint/v3/contenttype/forms">
+  <Display>DocumentLibraryForm</Display>
+  <Edit>DocumentLibraryForm</Edit>
+  <New>DocumentLibraryForm</New>
+</FormTemplates>
+</file>
+
+<file path=customXml/item3.xml><?xml version="1.0" encoding="utf-8"?>
 <ct:contentTypeSchema xmlns:ct="http://schemas.microsoft.com/office/2006/metadata/contentType" xmlns:ma="http://schemas.microsoft.com/office/2006/metadata/properties/metaAttributes" ct:_="" ma:_="" ma:contentTypeName="Document" ma:contentTypeID="0x010100B2420A4C7BC2B44E9A7E76498C4422F8" ma:contentTypeVersion="16" ma:contentTypeDescription="Create a new document." ma:contentTypeScope="" ma:versionID="f20fdd9c3b316f4a987ab5b52bf5af8a">
   <xsd:schema xmlns:xsd="http://www.w3.org/2001/XMLSchema" xmlns:xs="http://www.w3.org/2001/XMLSchema" xmlns:p="http://schemas.microsoft.com/office/2006/metadata/properties" xmlns:ns3="fd074e8e-c555-4ae9-8e73-6121563534a0" xmlns:ns4="8745832a-a763-4163-83f4-99a6fe95dbc8" targetNamespace="http://schemas.microsoft.com/office/2006/metadata/properties" ma:root="true" ma:fieldsID="9029ecdb79511f90fb21934fb0bd3326" ns3:_="" ns4:_="">
     <xsd:import namespace="fd074e8e-c555-4ae9-8e73-6121563534a0"/>
@@ -5323,24 +5260,32 @@
 </ct:contentTypeSchema>
 </file>
 
-<file path=customXml/item2.xml><?xml version="1.0" encoding="utf-8"?>
-<?mso-contentType ?>
-<FormTemplates xmlns="http://schemas.microsoft.com/sharepoint/v3/contenttype/forms">
-  <Display>DocumentLibraryForm</Display>
-  <Edit>DocumentLibraryForm</Edit>
-  <New>DocumentLibraryForm</New>
-</FormTemplates>
+<file path=customXml/itemProps1.xml><?xml version="1.0" encoding="utf-8"?>
+<ds:datastoreItem xmlns:ds="http://schemas.openxmlformats.org/officeDocument/2006/customXml" ds:itemID="{88689A48-8213-42AC-969B-338FB32C7ECD}">
+  <ds:schemaRefs>
+    <ds:schemaRef ds:uri="http://schemas.microsoft.com/office/2006/metadata/properties"/>
+    <ds:schemaRef ds:uri="fd074e8e-c555-4ae9-8e73-6121563534a0"/>
+    <ds:schemaRef ds:uri="http://purl.org/dc/terms/"/>
+    <ds:schemaRef ds:uri="http://schemas.openxmlformats.org/package/2006/metadata/core-properties"/>
+    <ds:schemaRef ds:uri="http://schemas.microsoft.com/office/2006/documentManagement/types"/>
+    <ds:schemaRef ds:uri="http://schemas.microsoft.com/office/infopath/2007/PartnerControls"/>
+    <ds:schemaRef ds:uri="http://purl.org/dc/elements/1.1/"/>
+    <ds:schemaRef ds:uri="8745832a-a763-4163-83f4-99a6fe95dbc8"/>
+    <ds:schemaRef ds:uri="http://www.w3.org/XML/1998/namespace"/>
+    <ds:schemaRef ds:uri="http://purl.org/dc/dcmitype/"/>
+  </ds:schemaRefs>
+</ds:datastoreItem>
 </file>
 
-<file path=customXml/item3.xml><?xml version="1.0" encoding="utf-8"?>
-<p:properties xmlns:p="http://schemas.microsoft.com/office/2006/metadata/properties" xmlns:xsi="http://www.w3.org/2001/XMLSchema-instance" xmlns:pc="http://schemas.microsoft.com/office/infopath/2007/PartnerControls">
-  <documentManagement>
-    <_activity xmlns="fd074e8e-c555-4ae9-8e73-6121563534a0" xsi:nil="true"/>
-  </documentManagement>
-</p:properties>
+<file path=customXml/itemProps2.xml><?xml version="1.0" encoding="utf-8"?>
+<ds:datastoreItem xmlns:ds="http://schemas.openxmlformats.org/officeDocument/2006/customXml" ds:itemID="{6288F73D-492A-426E-87A2-28487423933A}">
+  <ds:schemaRefs>
+    <ds:schemaRef ds:uri="http://schemas.microsoft.com/sharepoint/v3/contenttype/forms"/>
+  </ds:schemaRefs>
+</ds:datastoreItem>
 </file>
 
-<file path=customXml/itemProps1.xml><?xml version="1.0" encoding="utf-8"?>
+<file path=customXml/itemProps3.xml><?xml version="1.0" encoding="utf-8"?>
 <ds:datastoreItem xmlns:ds="http://schemas.openxmlformats.org/officeDocument/2006/customXml" ds:itemID="{FC90BBF1-630B-4A82-8E0B-C83B4AA814C3}">
   <ds:schemaRefs>
     <ds:schemaRef ds:uri="http://schemas.microsoft.com/office/2006/metadata/contentType"/>
@@ -5357,29 +5302,4 @@
     <ds:schemaRef ds:uri="http://schemas.microsoft.com/internal/obd"/>
   </ds:schemaRefs>
 </ds:datastoreItem>
-</file>
-
-<file path=customXml/itemProps2.xml><?xml version="1.0" encoding="utf-8"?>
-<ds:datastoreItem xmlns:ds="http://schemas.openxmlformats.org/officeDocument/2006/customXml" ds:itemID="{6288F73D-492A-426E-87A2-28487423933A}">
-  <ds:schemaRefs>
-    <ds:schemaRef ds:uri="http://schemas.microsoft.com/sharepoint/v3/contenttype/forms"/>
-  </ds:schemaRefs>
-</ds:datastoreItem>
-</file>
-
-<file path=customXml/itemProps3.xml><?xml version="1.0" encoding="utf-8"?>
-<ds:datastoreItem xmlns:ds="http://schemas.openxmlformats.org/officeDocument/2006/customXml" ds:itemID="{88689A48-8213-42AC-969B-338FB32C7ECD}">
-  <ds:schemaRefs>
-    <ds:schemaRef ds:uri="http://schemas.microsoft.com/office/2006/metadata/properties"/>
-    <ds:schemaRef ds:uri="fd074e8e-c555-4ae9-8e73-6121563534a0"/>
-    <ds:schemaRef ds:uri="http://purl.org/dc/terms/"/>
-    <ds:schemaRef ds:uri="http://schemas.openxmlformats.org/package/2006/metadata/core-properties"/>
-    <ds:schemaRef ds:uri="http://schemas.microsoft.com/office/2006/documentManagement/types"/>
-    <ds:schemaRef ds:uri="http://schemas.microsoft.com/office/infopath/2007/PartnerControls"/>
-    <ds:schemaRef ds:uri="http://purl.org/dc/elements/1.1/"/>
-    <ds:schemaRef ds:uri="8745832a-a763-4163-83f4-99a6fe95dbc8"/>
-    <ds:schemaRef ds:uri="http://www.w3.org/XML/1998/namespace"/>
-    <ds:schemaRef ds:uri="http://purl.org/dc/dcmitype/"/>
-  </ds:schemaRefs>
-</ds:datastoreItem>
 </file>